--- a/011. E-Talk/icon.pptx
+++ b/011. E-Talk/icon.pptx
@@ -104,6 +104,11 @@
       </a:defRPr>
     </a:lvl9pPr>
   </p:defaultTextStyle>
+  <p:extLst>
+    <p:ext uri="{EFAFB233-063F-42B5-8137-9DF3F51BA10A}">
+      <p15:sldGuideLst xmlns:p15="http://schemas.microsoft.com/office/powerpoint/2012/main"/>
+    </p:ext>
+  </p:extLst>
 </p:presentation>
 </file>
 
@@ -238,7 +243,7 @@
           <a:p>
             <a:fld id="{0F82BEB4-9185-4C9C-8060-16A7515C0601}" type="datetimeFigureOut">
               <a:rPr lang="en-US" smtClean="0"/>
-              <a:t>8/9/2018</a:t>
+              <a:t>8/31/2018</a:t>
             </a:fld>
             <a:endParaRPr lang="en-US"/>
           </a:p>
@@ -408,7 +413,7 @@
           <a:p>
             <a:fld id="{0F82BEB4-9185-4C9C-8060-16A7515C0601}" type="datetimeFigureOut">
               <a:rPr lang="en-US" smtClean="0"/>
-              <a:t>8/9/2018</a:t>
+              <a:t>8/31/2018</a:t>
             </a:fld>
             <a:endParaRPr lang="en-US"/>
           </a:p>
@@ -588,7 +593,7 @@
           <a:p>
             <a:fld id="{0F82BEB4-9185-4C9C-8060-16A7515C0601}" type="datetimeFigureOut">
               <a:rPr lang="en-US" smtClean="0"/>
-              <a:t>8/9/2018</a:t>
+              <a:t>8/31/2018</a:t>
             </a:fld>
             <a:endParaRPr lang="en-US"/>
           </a:p>
@@ -758,7 +763,7 @@
           <a:p>
             <a:fld id="{0F82BEB4-9185-4C9C-8060-16A7515C0601}" type="datetimeFigureOut">
               <a:rPr lang="en-US" smtClean="0"/>
-              <a:t>8/9/2018</a:t>
+              <a:t>8/31/2018</a:t>
             </a:fld>
             <a:endParaRPr lang="en-US"/>
           </a:p>
@@ -1004,7 +1009,7 @@
           <a:p>
             <a:fld id="{0F82BEB4-9185-4C9C-8060-16A7515C0601}" type="datetimeFigureOut">
               <a:rPr lang="en-US" smtClean="0"/>
-              <a:t>8/9/2018</a:t>
+              <a:t>8/31/2018</a:t>
             </a:fld>
             <a:endParaRPr lang="en-US"/>
           </a:p>
@@ -1236,7 +1241,7 @@
           <a:p>
             <a:fld id="{0F82BEB4-9185-4C9C-8060-16A7515C0601}" type="datetimeFigureOut">
               <a:rPr lang="en-US" smtClean="0"/>
-              <a:t>8/9/2018</a:t>
+              <a:t>8/31/2018</a:t>
             </a:fld>
             <a:endParaRPr lang="en-US"/>
           </a:p>
@@ -1603,7 +1608,7 @@
           <a:p>
             <a:fld id="{0F82BEB4-9185-4C9C-8060-16A7515C0601}" type="datetimeFigureOut">
               <a:rPr lang="en-US" smtClean="0"/>
-              <a:t>8/9/2018</a:t>
+              <a:t>8/31/2018</a:t>
             </a:fld>
             <a:endParaRPr lang="en-US"/>
           </a:p>
@@ -1721,7 +1726,7 @@
           <a:p>
             <a:fld id="{0F82BEB4-9185-4C9C-8060-16A7515C0601}" type="datetimeFigureOut">
               <a:rPr lang="en-US" smtClean="0"/>
-              <a:t>8/9/2018</a:t>
+              <a:t>8/31/2018</a:t>
             </a:fld>
             <a:endParaRPr lang="en-US"/>
           </a:p>
@@ -1816,7 +1821,7 @@
           <a:p>
             <a:fld id="{0F82BEB4-9185-4C9C-8060-16A7515C0601}" type="datetimeFigureOut">
               <a:rPr lang="en-US" smtClean="0"/>
-              <a:t>8/9/2018</a:t>
+              <a:t>8/31/2018</a:t>
             </a:fld>
             <a:endParaRPr lang="en-US"/>
           </a:p>
@@ -2093,7 +2098,7 @@
           <a:p>
             <a:fld id="{0F82BEB4-9185-4C9C-8060-16A7515C0601}" type="datetimeFigureOut">
               <a:rPr lang="en-US" smtClean="0"/>
-              <a:t>8/9/2018</a:t>
+              <a:t>8/31/2018</a:t>
             </a:fld>
             <a:endParaRPr lang="en-US"/>
           </a:p>
@@ -2346,7 +2351,7 @@
           <a:p>
             <a:fld id="{0F82BEB4-9185-4C9C-8060-16A7515C0601}" type="datetimeFigureOut">
               <a:rPr lang="en-US" smtClean="0"/>
-              <a:t>8/9/2018</a:t>
+              <a:t>8/31/2018</a:t>
             </a:fld>
             <a:endParaRPr lang="en-US"/>
           </a:p>
@@ -2559,7 +2564,7 @@
           <a:p>
             <a:fld id="{0F82BEB4-9185-4C9C-8060-16A7515C0601}" type="datetimeFigureOut">
               <a:rPr lang="en-US" smtClean="0"/>
-              <a:t>8/9/2018</a:t>
+              <a:t>8/31/2018</a:t>
             </a:fld>
             <a:endParaRPr lang="en-US"/>
           </a:p>
@@ -2964,147 +2969,499 @@
           <a:chExt cx="0" cy="0"/>
         </a:xfrm>
       </p:grpSpPr>
-      <p:sp>
-        <p:nvSpPr>
-          <p:cNvPr id="5" name="Rectangle 4"/>
-          <p:cNvSpPr/>
+      <p:grpSp>
+        <p:nvGrpSpPr>
+          <p:cNvPr id="23" name="Group 22"/>
+          <p:cNvGrpSpPr/>
           <p:nvPr/>
-        </p:nvSpPr>
-        <p:spPr>
+        </p:nvGrpSpPr>
+        <p:grpSpPr>
           <a:xfrm>
-            <a:off x="3724102" y="1064029"/>
-            <a:ext cx="4164676" cy="4164676"/>
+            <a:off x="3853718" y="927614"/>
+            <a:ext cx="4675411" cy="4440140"/>
+            <a:chOff x="3853718" y="927614"/>
+            <a:chExt cx="4675411" cy="4440140"/>
           </a:xfrm>
-          <a:prstGeom prst="rect">
-            <a:avLst/>
-          </a:prstGeom>
-          <a:solidFill>
-            <a:srgbClr val="0088FF"/>
-          </a:solidFill>
-          <a:ln>
-            <a:solidFill>
-              <a:srgbClr val="0088FF"/>
-            </a:solidFill>
-          </a:ln>
-        </p:spPr>
-        <p:style>
-          <a:lnRef idx="2">
-            <a:schemeClr val="accent1">
-              <a:shade val="50000"/>
-            </a:schemeClr>
-          </a:lnRef>
-          <a:fillRef idx="1">
-            <a:schemeClr val="accent1"/>
-          </a:fillRef>
-          <a:effectRef idx="0">
-            <a:schemeClr val="accent1"/>
-          </a:effectRef>
-          <a:fontRef idx="minor">
-            <a:schemeClr val="lt1"/>
-          </a:fontRef>
-        </p:style>
-        <p:txBody>
-          <a:bodyPr rtlCol="0" anchor="ctr"/>
-          <a:lstStyle/>
-          <a:p>
-            <a:pPr algn="ctr"/>
-            <a:endParaRPr lang="en-US"/>
-          </a:p>
-        </p:txBody>
-      </p:sp>
-      <p:sp>
-        <p:nvSpPr>
-          <p:cNvPr id="6" name="Oval Callout 5"/>
-          <p:cNvSpPr/>
-          <p:nvPr/>
-        </p:nvSpPr>
-        <p:spPr>
-          <a:xfrm>
-            <a:off x="4089861" y="307571"/>
-            <a:ext cx="4580314" cy="4547061"/>
-          </a:xfrm>
-          <a:prstGeom prst="wedgeEllipseCallout">
-            <a:avLst>
-              <a:gd name="adj1" fmla="val -45687"/>
-              <a:gd name="adj2" fmla="val 43350"/>
-            </a:avLst>
-          </a:prstGeom>
-          <a:solidFill>
-            <a:schemeClr val="bg1"/>
-          </a:solidFill>
-          <a:ln>
-            <a:solidFill>
-              <a:schemeClr val="bg1"/>
-            </a:solidFill>
-          </a:ln>
-        </p:spPr>
-        <p:style>
-          <a:lnRef idx="2">
-            <a:schemeClr val="accent1">
-              <a:shade val="50000"/>
-            </a:schemeClr>
-          </a:lnRef>
-          <a:fillRef idx="1">
-            <a:schemeClr val="accent1"/>
-          </a:fillRef>
-          <a:effectRef idx="0">
-            <a:schemeClr val="accent1"/>
-          </a:effectRef>
-          <a:fontRef idx="minor">
-            <a:schemeClr val="lt1"/>
-          </a:fontRef>
-        </p:style>
-        <p:txBody>
-          <a:bodyPr rtlCol="0" anchor="ctr"/>
-          <a:lstStyle/>
-          <a:p>
-            <a:pPr algn="ctr"/>
-            <a:endParaRPr lang="en-US" dirty="0"/>
-          </a:p>
-        </p:txBody>
-      </p:sp>
-      <p:sp>
-        <p:nvSpPr>
-          <p:cNvPr id="7" name="TextBox 6"/>
-          <p:cNvSpPr txBox="1"/>
-          <p:nvPr/>
-        </p:nvSpPr>
-        <p:spPr>
-          <a:xfrm>
-            <a:off x="4404979" y="1765493"/>
-            <a:ext cx="3179588" cy="1631216"/>
-          </a:xfrm>
-          <a:prstGeom prst="rect">
-            <a:avLst/>
-          </a:prstGeom>
-          <a:noFill/>
-        </p:spPr>
-        <p:txBody>
-          <a:bodyPr wrap="none" rtlCol="0">
-            <a:spAutoFit/>
-          </a:bodyPr>
-          <a:lstStyle/>
-          <a:p>
-            <a:r>
-              <a:rPr lang="en-US" sz="10000" dirty="0" err="1" smtClean="0">
+        </p:grpSpPr>
+        <p:grpSp>
+          <p:nvGrpSpPr>
+            <p:cNvPr id="8" name="Group 7"/>
+            <p:cNvGrpSpPr/>
+            <p:nvPr/>
+          </p:nvGrpSpPr>
+          <p:grpSpPr>
+            <a:xfrm>
+              <a:off x="3853718" y="927614"/>
+              <a:ext cx="4675411" cy="4440140"/>
+              <a:chOff x="-1160423" y="788565"/>
+              <a:chExt cx="4675411" cy="4440140"/>
+            </a:xfrm>
+          </p:grpSpPr>
+          <p:sp>
+            <p:nvSpPr>
+              <p:cNvPr id="5" name="Rectangle 4"/>
+              <p:cNvSpPr/>
+              <p:nvPr/>
+            </p:nvSpPr>
+            <p:spPr>
+              <a:xfrm>
+                <a:off x="-1160423" y="1064029"/>
+                <a:ext cx="4164676" cy="4164676"/>
+              </a:xfrm>
+              <a:prstGeom prst="rect">
+                <a:avLst/>
+              </a:prstGeom>
+              <a:solidFill>
+                <a:srgbClr val="0088FF"/>
+              </a:solidFill>
+              <a:ln>
                 <a:solidFill>
                   <a:srgbClr val="0088FF"/>
                 </a:solidFill>
-                <a:latin typeface="Arial" panose="020B0604020202020204" pitchFamily="34" charset="0"/>
+              </a:ln>
+            </p:spPr>
+            <p:style>
+              <a:lnRef idx="2">
+                <a:schemeClr val="accent1">
+                  <a:shade val="50000"/>
+                </a:schemeClr>
+              </a:lnRef>
+              <a:fillRef idx="1">
+                <a:schemeClr val="accent1"/>
+              </a:fillRef>
+              <a:effectRef idx="0">
+                <a:schemeClr val="accent1"/>
+              </a:effectRef>
+              <a:fontRef idx="minor">
+                <a:schemeClr val="lt1"/>
+              </a:fontRef>
+            </p:style>
+            <p:txBody>
+              <a:bodyPr rtlCol="0" anchor="ctr"/>
+              <a:lstStyle/>
+              <a:p>
+                <a:pPr algn="ctr"/>
+                <a:endParaRPr lang="en-US"/>
+              </a:p>
+            </p:txBody>
+          </p:sp>
+          <p:sp>
+            <p:nvSpPr>
+              <p:cNvPr id="2" name="Oval Callout 1"/>
+              <p:cNvSpPr/>
+              <p:nvPr/>
+            </p:nvSpPr>
+            <p:spPr>
+              <a:xfrm>
+                <a:off x="-649286" y="788565"/>
+                <a:ext cx="4164274" cy="3942826"/>
+              </a:xfrm>
+              <a:prstGeom prst="wedgeEllipseCallout">
+                <a:avLst>
+                  <a:gd name="adj1" fmla="val -30845"/>
+                  <a:gd name="adj2" fmla="val 44260"/>
+                </a:avLst>
+              </a:prstGeom>
+              <a:solidFill>
+                <a:schemeClr val="bg1"/>
+              </a:solidFill>
+              <a:ln>
+                <a:solidFill>
+                  <a:schemeClr val="bg1"/>
+                </a:solidFill>
+              </a:ln>
+            </p:spPr>
+            <p:style>
+              <a:lnRef idx="2">
+                <a:schemeClr val="accent1">
+                  <a:shade val="50000"/>
+                </a:schemeClr>
+              </a:lnRef>
+              <a:fillRef idx="1">
+                <a:schemeClr val="accent1"/>
+              </a:fillRef>
+              <a:effectRef idx="0">
+                <a:schemeClr val="accent1"/>
+              </a:effectRef>
+              <a:fontRef idx="minor">
+                <a:schemeClr val="lt1"/>
+              </a:fontRef>
+            </p:style>
+            <p:txBody>
+              <a:bodyPr rtlCol="0" anchor="ctr"/>
+              <a:lstStyle/>
+              <a:p>
+                <a:pPr algn="ctr"/>
+                <a:endParaRPr lang="en-US"/>
+              </a:p>
+            </p:txBody>
+          </p:sp>
+          <p:sp>
+            <p:nvSpPr>
+              <p:cNvPr id="3" name="Moon 2"/>
+              <p:cNvSpPr/>
+              <p:nvPr/>
+            </p:nvSpPr>
+            <p:spPr>
+              <a:xfrm rot="734556" flipH="1">
+                <a:off x="-338941" y="3596177"/>
+                <a:ext cx="916624" cy="1213279"/>
+              </a:xfrm>
+              <a:prstGeom prst="moon">
+                <a:avLst>
+                  <a:gd name="adj" fmla="val 64863"/>
+                </a:avLst>
+              </a:prstGeom>
+              <a:solidFill>
+                <a:schemeClr val="bg1"/>
+              </a:solidFill>
+              <a:ln>
+                <a:solidFill>
+                  <a:schemeClr val="bg1"/>
+                </a:solidFill>
+              </a:ln>
+            </p:spPr>
+            <p:style>
+              <a:lnRef idx="2">
+                <a:schemeClr val="accent1">
+                  <a:shade val="50000"/>
+                </a:schemeClr>
+              </a:lnRef>
+              <a:fillRef idx="1">
+                <a:schemeClr val="accent1"/>
+              </a:fillRef>
+              <a:effectRef idx="0">
+                <a:schemeClr val="accent1"/>
+              </a:effectRef>
+              <a:fontRef idx="minor">
+                <a:schemeClr val="lt1"/>
+              </a:fontRef>
+            </p:style>
+            <p:txBody>
+              <a:bodyPr rtlCol="0" anchor="ctr"/>
+              <a:lstStyle/>
+              <a:p>
+                <a:pPr algn="ctr"/>
+                <a:endParaRPr lang="en-US"/>
+              </a:p>
+            </p:txBody>
+          </p:sp>
+          <p:sp>
+            <p:nvSpPr>
+              <p:cNvPr id="9" name="Moon 8"/>
+              <p:cNvSpPr/>
+              <p:nvPr/>
+            </p:nvSpPr>
+            <p:spPr>
+              <a:xfrm rot="21389696" flipH="1">
+                <a:off x="-80308" y="4105328"/>
+                <a:ext cx="87698" cy="228314"/>
+              </a:xfrm>
+              <a:prstGeom prst="moon">
+                <a:avLst>
+                  <a:gd name="adj" fmla="val 57956"/>
+                </a:avLst>
+              </a:prstGeom>
+              <a:solidFill>
+                <a:schemeClr val="bg1"/>
+              </a:solidFill>
+              <a:ln>
+                <a:solidFill>
+                  <a:schemeClr val="bg1"/>
+                </a:solidFill>
+              </a:ln>
+            </p:spPr>
+            <p:style>
+              <a:lnRef idx="2">
+                <a:schemeClr val="accent1">
+                  <a:shade val="50000"/>
+                </a:schemeClr>
+              </a:lnRef>
+              <a:fillRef idx="1">
+                <a:schemeClr val="accent1"/>
+              </a:fillRef>
+              <a:effectRef idx="0">
+                <a:schemeClr val="accent1"/>
+              </a:effectRef>
+              <a:fontRef idx="minor">
+                <a:schemeClr val="lt1"/>
+              </a:fontRef>
+            </p:style>
+            <p:txBody>
+              <a:bodyPr rtlCol="0" anchor="ctr"/>
+              <a:lstStyle/>
+              <a:p>
+                <a:pPr algn="ctr"/>
+                <a:endParaRPr lang="en-US"/>
+              </a:p>
+            </p:txBody>
+          </p:sp>
+          <p:sp>
+            <p:nvSpPr>
+              <p:cNvPr id="10" name="Moon 9"/>
+              <p:cNvSpPr/>
+              <p:nvPr/>
+            </p:nvSpPr>
+            <p:spPr>
+              <a:xfrm rot="15452855" flipH="1">
+                <a:off x="314531" y="4330758"/>
+                <a:ext cx="190834" cy="362653"/>
+              </a:xfrm>
+              <a:prstGeom prst="moon">
+                <a:avLst>
+                  <a:gd name="adj" fmla="val 86408"/>
+                </a:avLst>
+              </a:prstGeom>
+              <a:solidFill>
+                <a:schemeClr val="bg1"/>
+              </a:solidFill>
+              <a:ln>
+                <a:solidFill>
+                  <a:schemeClr val="bg1"/>
+                </a:solidFill>
+              </a:ln>
+            </p:spPr>
+            <p:style>
+              <a:lnRef idx="2">
+                <a:schemeClr val="accent1">
+                  <a:shade val="50000"/>
+                </a:schemeClr>
+              </a:lnRef>
+              <a:fillRef idx="1">
+                <a:schemeClr val="accent1"/>
+              </a:fillRef>
+              <a:effectRef idx="0">
+                <a:schemeClr val="accent1"/>
+              </a:effectRef>
+              <a:fontRef idx="minor">
+                <a:schemeClr val="lt1"/>
+              </a:fontRef>
+            </p:style>
+            <p:txBody>
+              <a:bodyPr rtlCol="0" anchor="ctr"/>
+              <a:lstStyle/>
+              <a:p>
+                <a:pPr algn="ctr"/>
+                <a:endParaRPr lang="en-US">
+                  <a:solidFill>
+                    <a:srgbClr val="7030A0"/>
+                  </a:solidFill>
+                </a:endParaRPr>
+              </a:p>
+            </p:txBody>
+          </p:sp>
+        </p:grpSp>
+        <p:sp>
+          <p:nvSpPr>
+            <p:cNvPr id="7" name="TextBox 6"/>
+            <p:cNvSpPr txBox="1"/>
+            <p:nvPr/>
+          </p:nvSpPr>
+          <p:spPr>
+            <a:xfrm>
+              <a:off x="4556983" y="2079040"/>
+              <a:ext cx="947695" cy="1631216"/>
+            </a:xfrm>
+            <a:prstGeom prst="rect">
+              <a:avLst/>
+            </a:prstGeom>
+            <a:noFill/>
+          </p:spPr>
+          <p:txBody>
+            <a:bodyPr wrap="none" rtlCol="0">
+              <a:spAutoFit/>
+            </a:bodyPr>
+            <a:lstStyle/>
+            <a:p>
+              <a:r>
+                <a:rPr lang="en-US" sz="10000" smtClean="0">
+                  <a:solidFill>
+                    <a:srgbClr val="0088FF"/>
+                  </a:solidFill>
+                  <a:latin typeface="Arial Rounded MT Bold" panose="020F0704030504030204" pitchFamily="34" charset="0"/>
+                  <a:cs typeface="Arial" panose="020B0604020202020204" pitchFamily="34" charset="0"/>
+                </a:rPr>
+                <a:t>e</a:t>
+              </a:r>
+              <a:endParaRPr lang="en-US" sz="10000" dirty="0">
+                <a:solidFill>
+                  <a:srgbClr val="0088FF"/>
+                </a:solidFill>
+                <a:latin typeface="Arial Rounded MT Bold" panose="020F0704030504030204" pitchFamily="34" charset="0"/>
                 <a:cs typeface="Arial" panose="020B0604020202020204" pitchFamily="34" charset="0"/>
-              </a:rPr>
-              <a:t>eTalk</a:t>
-            </a:r>
-            <a:endParaRPr lang="en-US" sz="10000" dirty="0">
-              <a:solidFill>
-                <a:srgbClr val="0088FF"/>
-              </a:solidFill>
-              <a:latin typeface="Arial" panose="020B0604020202020204" pitchFamily="34" charset="0"/>
-              <a:cs typeface="Arial" panose="020B0604020202020204" pitchFamily="34" charset="0"/>
-            </a:endParaRPr>
-          </a:p>
-        </p:txBody>
-      </p:sp>
+              </a:endParaRPr>
+            </a:p>
+          </p:txBody>
+        </p:sp>
+        <p:sp>
+          <p:nvSpPr>
+            <p:cNvPr id="13" name="TextBox 12"/>
+            <p:cNvSpPr txBox="1"/>
+            <p:nvPr/>
+          </p:nvSpPr>
+          <p:spPr>
+            <a:xfrm>
+              <a:off x="6617202" y="2079040"/>
+              <a:ext cx="532518" cy="1631216"/>
+            </a:xfrm>
+            <a:prstGeom prst="rect">
+              <a:avLst/>
+            </a:prstGeom>
+            <a:noFill/>
+          </p:spPr>
+          <p:txBody>
+            <a:bodyPr wrap="none" rtlCol="0">
+              <a:spAutoFit/>
+            </a:bodyPr>
+            <a:lstStyle/>
+            <a:p>
+              <a:r>
+                <a:rPr lang="en-US" sz="10000" smtClean="0">
+                  <a:solidFill>
+                    <a:srgbClr val="0088FF"/>
+                  </a:solidFill>
+                  <a:latin typeface="Arial Rounded MT Bold" panose="020F0704030504030204" pitchFamily="34" charset="0"/>
+                  <a:cs typeface="Arial" panose="020B0604020202020204" pitchFamily="34" charset="0"/>
+                </a:rPr>
+                <a:t>l</a:t>
+              </a:r>
+              <a:endParaRPr lang="en-US" sz="10000" dirty="0">
+                <a:solidFill>
+                  <a:srgbClr val="0088FF"/>
+                </a:solidFill>
+                <a:latin typeface="Arial Rounded MT Bold" panose="020F0704030504030204" pitchFamily="34" charset="0"/>
+                <a:cs typeface="Arial" panose="020B0604020202020204" pitchFamily="34" charset="0"/>
+              </a:endParaRPr>
+            </a:p>
+          </p:txBody>
+        </p:sp>
+        <p:sp>
+          <p:nvSpPr>
+            <p:cNvPr id="14" name="TextBox 13"/>
+            <p:cNvSpPr txBox="1"/>
+            <p:nvPr/>
+          </p:nvSpPr>
+          <p:spPr>
+            <a:xfrm>
+              <a:off x="6952909" y="2073410"/>
+              <a:ext cx="920445" cy="1631216"/>
+            </a:xfrm>
+            <a:prstGeom prst="rect">
+              <a:avLst/>
+            </a:prstGeom>
+            <a:noFill/>
+          </p:spPr>
+          <p:txBody>
+            <a:bodyPr wrap="none" rtlCol="0">
+              <a:spAutoFit/>
+            </a:bodyPr>
+            <a:lstStyle/>
+            <a:p>
+              <a:r>
+                <a:rPr lang="en-US" sz="10000" smtClean="0">
+                  <a:solidFill>
+                    <a:srgbClr val="0088FF"/>
+                  </a:solidFill>
+                  <a:latin typeface="Arial Rounded MT Bold" panose="020F0704030504030204" pitchFamily="34" charset="0"/>
+                  <a:cs typeface="Arial" panose="020B0604020202020204" pitchFamily="34" charset="0"/>
+                </a:rPr>
+                <a:t>k</a:t>
+              </a:r>
+              <a:endParaRPr lang="en-US" sz="10000" dirty="0">
+                <a:solidFill>
+                  <a:srgbClr val="0088FF"/>
+                </a:solidFill>
+                <a:latin typeface="Arial Rounded MT Bold" panose="020F0704030504030204" pitchFamily="34" charset="0"/>
+                <a:cs typeface="Arial" panose="020B0604020202020204" pitchFamily="34" charset="0"/>
+              </a:endParaRPr>
+            </a:p>
+          </p:txBody>
+        </p:sp>
+        <p:sp>
+          <p:nvSpPr>
+            <p:cNvPr id="15" name="TextBox 14"/>
+            <p:cNvSpPr txBox="1"/>
+            <p:nvPr/>
+          </p:nvSpPr>
+          <p:spPr>
+            <a:xfrm>
+              <a:off x="5198200" y="2079040"/>
+              <a:ext cx="986167" cy="1631216"/>
+            </a:xfrm>
+            <a:prstGeom prst="rect">
+              <a:avLst/>
+            </a:prstGeom>
+            <a:noFill/>
+          </p:spPr>
+          <p:txBody>
+            <a:bodyPr wrap="none" rtlCol="0">
+              <a:spAutoFit/>
+            </a:bodyPr>
+            <a:lstStyle/>
+            <a:p>
+              <a:r>
+                <a:rPr lang="en-US" sz="10000" smtClean="0">
+                  <a:solidFill>
+                    <a:srgbClr val="0088FF"/>
+                  </a:solidFill>
+                  <a:latin typeface="Arial Rounded MT Bold" panose="020F0704030504030204" pitchFamily="34" charset="0"/>
+                  <a:cs typeface="Arial" panose="020B0604020202020204" pitchFamily="34" charset="0"/>
+                </a:rPr>
+                <a:t>T</a:t>
+              </a:r>
+              <a:endParaRPr lang="en-US" sz="10000" dirty="0">
+                <a:solidFill>
+                  <a:srgbClr val="0088FF"/>
+                </a:solidFill>
+                <a:latin typeface="Arial Rounded MT Bold" panose="020F0704030504030204" pitchFamily="34" charset="0"/>
+                <a:cs typeface="Arial" panose="020B0604020202020204" pitchFamily="34" charset="0"/>
+              </a:endParaRPr>
+            </a:p>
+          </p:txBody>
+        </p:sp>
+        <p:sp>
+          <p:nvSpPr>
+            <p:cNvPr id="16" name="TextBox 15"/>
+            <p:cNvSpPr txBox="1"/>
+            <p:nvPr/>
+          </p:nvSpPr>
+          <p:spPr>
+            <a:xfrm>
+              <a:off x="5854963" y="2074367"/>
+              <a:ext cx="947695" cy="1631216"/>
+            </a:xfrm>
+            <a:prstGeom prst="rect">
+              <a:avLst/>
+            </a:prstGeom>
+            <a:noFill/>
+          </p:spPr>
+          <p:txBody>
+            <a:bodyPr wrap="none" rtlCol="0">
+              <a:spAutoFit/>
+            </a:bodyPr>
+            <a:lstStyle/>
+            <a:p>
+              <a:r>
+                <a:rPr lang="en-US" sz="10000" smtClean="0">
+                  <a:solidFill>
+                    <a:srgbClr val="0088FF"/>
+                  </a:solidFill>
+                  <a:latin typeface="Arial Rounded MT Bold" panose="020F0704030504030204" pitchFamily="34" charset="0"/>
+                  <a:cs typeface="Arial" panose="020B0604020202020204" pitchFamily="34" charset="0"/>
+                </a:rPr>
+                <a:t>a</a:t>
+              </a:r>
+              <a:endParaRPr lang="en-US" sz="10000" dirty="0">
+                <a:solidFill>
+                  <a:srgbClr val="0088FF"/>
+                </a:solidFill>
+                <a:latin typeface="Arial Rounded MT Bold" panose="020F0704030504030204" pitchFamily="34" charset="0"/>
+                <a:cs typeface="Arial" panose="020B0604020202020204" pitchFamily="34" charset="0"/>
+              </a:endParaRPr>
+            </a:p>
+          </p:txBody>
+        </p:sp>
+      </p:grpSp>
     </p:spTree>
     <p:extLst>
       <p:ext uri="{BB962C8B-B14F-4D97-AF65-F5344CB8AC3E}">
